--- a/Data604/Data604_Project_ServerOptimization.pptx
+++ b/Data604/Data604_Project_ServerOptimization.pptx
@@ -5440,7 +5440,7 @@
         <p:spPr>
           <a:xfrm>
             <a:off x="1060336" y="1583871"/>
-            <a:ext cx="5449660" cy="1938992"/>
+            <a:ext cx="5449660" cy="2092881"/>
           </a:xfrm>
           <a:prstGeom prst="rect">
             <a:avLst/>
@@ -5455,7 +5455,7 @@
           <a:p>
             <a:r>
               <a:rPr lang="en-US" sz="1000" dirty="0"/>
-              <a:t>Simulation was performed from 1 to 12 servers and from 1 to 50 packet sizes, with intervals of 2 and 10 respectively. Thus a single simulation compares 50 possible server/packet combinations.</a:t>
+              <a:t>Simulation was performed from 1 to 12 servers and from 1 to 50 packet sizes, with intervals of 2 and 10 respectively. Thus a single simulation compares 30 possible server/packet combinations.</a:t>
             </a:r>
           </a:p>
           <a:p>
@@ -5488,7 +5488,7 @@
           <a:p>
             <a:r>
               <a:rPr lang="en-US" sz="1000" dirty="0"/>
-              <a:t>The number of packets did not make much difference, and the analysists agreed that the advantage of trying to group packets was only helpful when there are opportunities of eligible volumes.</a:t>
+              <a:t>The number of packets did not make much difference although 40 seemed to be optimal, and is recommended. The analysists noted that the advantage of trying to group packets was only helpful when there are opportunities of eligible volumes.</a:t>
             </a:r>
           </a:p>
         </p:txBody>

--- a/Data604/Data604_Project_ServerOptimization.pptx
+++ b/Data604/Data604_Project_ServerOptimization.pptx
@@ -5440,7 +5440,7 @@
         <p:spPr>
           <a:xfrm>
             <a:off x="1060336" y="1583871"/>
-            <a:ext cx="5449660" cy="2092881"/>
+            <a:ext cx="5449660" cy="2431435"/>
           </a:xfrm>
           <a:prstGeom prst="rect">
             <a:avLst/>
@@ -5488,7 +5488,22 @@
           <a:p>
             <a:r>
               <a:rPr lang="en-US" sz="1000" dirty="0"/>
-              <a:t>The number of packets did not make much difference although 40 seemed to be optimal, and is recommended. The analysists noted that the advantage of trying to group packets was only helpful when there are opportunities of eligible volumes.</a:t>
+              <a:t>The number of packets did not make much difference although 40 seemed to be optimal, and</a:t>
+            </a:r>
+          </a:p>
+          <a:p>
+            <a:r>
+              <a:rPr lang="en-US" sz="1000" dirty="0"/>
+              <a:t>40 packets is recommended. The analysists noted that the advantage of trying to group packets was only helpful when there are opportunities of eligible volumes.</a:t>
+            </a:r>
+          </a:p>
+          <a:p>
+            <a:endParaRPr lang="en-US" sz="1000" dirty="0"/>
+          </a:p>
+          <a:p>
+            <a:r>
+              <a:rPr lang="en-US" sz="1000" b="1" i="1" u="sng" dirty="0"/>
+              <a:t>3 servers and 40 packets is recommended.</a:t>
             </a:r>
           </a:p>
         </p:txBody>
@@ -5589,7 +5604,7 @@
           <a:p>
             <a:r>
               <a:rPr lang="en-US" sz="1200" dirty="0"/>
-              <a:t>While the company looks into investing in its architecture, the data science team is asked to with the application and infrastructure teams to develop a simulation that could optimize the configurations within the existing architecture.</a:t>
+              <a:t>While the company looks into investing in its architecture, the data science team is asked to work with the application and infrastructure teams to develop a simulation that could optimize the configurations within the existing architecture.</a:t>
             </a:r>
           </a:p>
           <a:p>
